--- a/outputs/slides/monil_ML-Note.pptx
+++ b/outputs/slides/monil_ML-Note.pptx
@@ -3158,7 +3158,7 @@
               </a:defRPr>
             </a:pPr>
             <a:r>
-              <a:t>Machine Learning • Supervised Learning • Unsupervised Learning</a:t>
+              <a:t>Machine Learning Definition • Types of ML • Key Concepts</a:t>
             </a:r>
           </a:p>
         </p:txBody>
@@ -3243,7 +3243,7 @@
               </a:defRPr>
             </a:pPr>
             <a:r>
-              <a:t>Data Quality &amp; Quantity: Requires large, accurate data; labeled data collection can be difficult.</a:t>
+              <a:t>Data Quality and Quantity: Requires large amounts of accurate, consistent, and complete data.</a:t>
             </a:r>
           </a:p>
           <a:p>
@@ -3258,7 +3258,7 @@
               </a:defRPr>
             </a:pPr>
             <a:r>
-              <a:t>Interpretability: Complex models are hard to understand, especially in critical applications.</a:t>
+              <a:t>Interpretability: Complex models (e.g., deep learning) are difficult to understand.</a:t>
             </a:r>
           </a:p>
           <a:p>
@@ -3273,7 +3273,7 @@
               </a:defRPr>
             </a:pPr>
             <a:r>
-              <a:t>Bias in Data: Models can inherit biases, leading to unfair or unethical outcomes.</a:t>
+              <a:t>Bias in Data: Models can inherit biases from training data, leading to unfair outcomes.</a:t>
             </a:r>
           </a:p>
           <a:p>
@@ -3288,7 +3288,7 @@
               </a:defRPr>
             </a:pPr>
             <a:r>
-              <a:t>Overfitting &amp; Underfitting: Common issues impacting model generalization.</a:t>
+              <a:t>Overfitting and Underfitting: Common issues where models either learn noise or are too simple.</a:t>
             </a:r>
           </a:p>
         </p:txBody>
@@ -3373,7 +3373,7 @@
               </a:defRPr>
             </a:pPr>
             <a:r>
-              <a:t>Continuous evolution with immense potential for applications.</a:t>
+              <a:t>Continuous evolution with advancements in deep learning, reinforcement learning, and explainable AI (XAI).</a:t>
             </a:r>
           </a:p>
           <a:p>
@@ -3388,7 +3388,7 @@
               </a:defRPr>
             </a:pPr>
             <a:r>
-              <a:t>Advancements in deep learning, reinforcement learning, and explainable AI (XAI).</a:t>
+              <a:t>Increased integration into daily life across healthcare, education, entertainment, and transportation.</a:t>
             </a:r>
           </a:p>
           <a:p>
@@ -3403,7 +3403,7 @@
               </a:defRPr>
             </a:pPr>
             <a:r>
-              <a:t>Increased computational power and datasets will expand ML's role.</a:t>
+              <a:t>Growing computational power and datasets will expand ML's role.</a:t>
             </a:r>
           </a:p>
           <a:p>
@@ -3418,22 +3418,7 @@
               </a:defRPr>
             </a:pPr>
             <a:r>
-              <a:t>Integration into daily life across various industries.</a:t>
-            </a:r>
-          </a:p>
-          <a:p>
-            <a:pPr>
-              <a:spcAft>
-                <a:spcPts val="800"/>
-              </a:spcAft>
-              <a:defRPr sz="2000">
-                <a:solidFill>
-                  <a:srgbClr val="374151"/>
-                </a:solidFill>
-              </a:defRPr>
-            </a:pPr>
-            <a:r>
-              <a:t>Ethical considerations and responsible AI practices are crucial.</a:t>
+              <a:t>Ethical considerations and responsible AI practices will be essential.</a:t>
             </a:r>
           </a:p>
         </p:txBody>
@@ -3630,7 +3615,7 @@
               </a:defRPr>
             </a:pPr>
             <a:r>
-              <a:t>3. Key Concepts in ML</a:t>
+              <a:t>3. Key Concepts in Machine Learning</a:t>
             </a:r>
           </a:p>
           <a:p>
@@ -3645,7 +3630,7 @@
               </a:defRPr>
             </a:pPr>
             <a:r>
-              <a:t>4. Common ML Algorithms</a:t>
+              <a:t>4. Common Machine Learning Algorithms</a:t>
             </a:r>
           </a:p>
           <a:p>
@@ -3675,7 +3660,7 @@
               </a:defRPr>
             </a:pPr>
             <a:r>
-              <a:t>6. Model Evaluation Techniques</a:t>
+              <a:t>6. Model Evaluation</a:t>
             </a:r>
           </a:p>
           <a:p>
@@ -3790,7 +3775,7 @@
               </a:defRPr>
             </a:pPr>
             <a:r>
-              <a:t>Machine Learning</a:t>
+              <a:t>Machine Learning Definition</a:t>
             </a:r>
           </a:p>
           <a:p>
@@ -3805,7 +3790,7 @@
               </a:defRPr>
             </a:pPr>
             <a:r>
-              <a:t>Supervised Learning</a:t>
+              <a:t>Types of ML</a:t>
             </a:r>
           </a:p>
           <a:p>
@@ -3820,7 +3805,7 @@
               </a:defRPr>
             </a:pPr>
             <a:r>
-              <a:t>Unsupervised Learning</a:t>
+              <a:t>Key Concepts</a:t>
             </a:r>
           </a:p>
           <a:p>
@@ -3835,7 +3820,7 @@
               </a:defRPr>
             </a:pPr>
             <a:r>
-              <a:t>Reinforcement Learning</a:t>
+              <a:t>Algorithms</a:t>
             </a:r>
           </a:p>
           <a:p>
@@ -3850,7 +3835,7 @@
               </a:defRPr>
             </a:pPr>
             <a:r>
-              <a:t>Algorithms</a:t>
+              <a:t>Applications</a:t>
             </a:r>
           </a:p>
           <a:p>
@@ -3865,7 +3850,7 @@
               </a:defRPr>
             </a:pPr>
             <a:r>
-              <a:t>Applications</a:t>
+              <a:t>Model Evaluation</a:t>
             </a:r>
           </a:p>
           <a:p>
@@ -3895,7 +3880,7 @@
               </a:defRPr>
             </a:pPr>
             <a:r>
-              <a:t>Model Evaluation</a:t>
+              <a:t>Future of ML</a:t>
             </a:r>
           </a:p>
         </p:txBody>
@@ -3980,7 +3965,7 @@
               </a:defRPr>
             </a:pPr>
             <a:r>
-              <a:t>ML is a subfield of AI, learning from data without explicit programming.</a:t>
+              <a:t>ML is a subfield of AI focused on systems learning from data without explicit programming.</a:t>
             </a:r>
           </a:p>
           <a:p>
@@ -3995,7 +3980,7 @@
               </a:defRPr>
             </a:pPr>
             <a:r>
-              <a:t>Systems learn patterns and make decisions with minimal human intervention.</a:t>
+              <a:t>Core idea: systems learn patterns from data to make decisions with minimal human intervention.</a:t>
             </a:r>
           </a:p>
           <a:p>
@@ -4010,7 +3995,7 @@
               </a:defRPr>
             </a:pPr>
             <a:r>
-              <a:t>Crucial in modern tech: image recognition, NLP, predictive analytics.</a:t>
+              <a:t>Crucial in modern tech, used in image recognition, NLP, predictive analytics, autonomous vehicles.</a:t>
             </a:r>
           </a:p>
           <a:p>
@@ -4025,7 +4010,7 @@
               </a:defRPr>
             </a:pPr>
             <a:r>
-              <a:t>Growth driven by large datasets, computational power, and advanced algorithms.</a:t>
+              <a:t>Growth driven by large datasets, improved computational power, and advanced algorithms.</a:t>
             </a:r>
           </a:p>
         </p:txBody>
@@ -4110,7 +4095,7 @@
               </a:defRPr>
             </a:pPr>
             <a:r>
-              <a:t>Broadly classified into Supervised, Unsupervised, and Reinforcement Learning.</a:t>
+              <a:t>Supervised Learning: Trained on labeled data to predict known outputs (e.g., regression, classification).</a:t>
             </a:r>
           </a:p>
           <a:p>
@@ -4125,7 +4110,7 @@
               </a:defRPr>
             </a:pPr>
             <a:r>
-              <a:t>Supervised Learning: Trains on labeled data to predict outputs (regression, classification).</a:t>
+              <a:t>Unsupervised Learning: Trained on unlabeled data to find hidden patterns (e.g., clustering, dimensionality reduction).</a:t>
             </a:r>
           </a:p>
           <a:p>
@@ -4140,22 +4125,7 @@
               </a:defRPr>
             </a:pPr>
             <a:r>
-              <a:t>Unsupervised Learning: Finds hidden patterns in unlabeled data (clustering, dimensionality reduction).</a:t>
-            </a:r>
-          </a:p>
-          <a:p>
-            <a:pPr>
-              <a:spcAft>
-                <a:spcPts val="800"/>
-              </a:spcAft>
-              <a:defRPr sz="2000">
-                <a:solidFill>
-                  <a:srgbClr val="374151"/>
-                </a:solidFill>
-              </a:defRPr>
-            </a:pPr>
-            <a:r>
-              <a:t>Reinforcement Learning: Agent learns by interacting with environment to maximize rewards.</a:t>
+              <a:t>Reinforcement Learning: Agent learns by interacting with an environment to maximize rewards (e.g., robotics, gaming).</a:t>
             </a:r>
           </a:p>
         </p:txBody>
@@ -4209,7 +4179,7 @@
               </a:defRPr>
             </a:pPr>
             <a:r>
-              <a:t>Key Concepts in ML</a:t>
+              <a:t>Key Concepts in Machine Learning</a:t>
             </a:r>
           </a:p>
         </p:txBody>
@@ -4240,7 +4210,7 @@
               </a:defRPr>
             </a:pPr>
             <a:r>
-              <a:t>Model Training: Adjusting parameters to minimize prediction error (loss function).</a:t>
+              <a:t>Model Training: Feeding data to a model to learn patterns and adjust parameters.</a:t>
             </a:r>
           </a:p>
           <a:p>
@@ -4255,7 +4225,7 @@
               </a:defRPr>
             </a:pPr>
             <a:r>
-              <a:t>Features &amp; Labels: Input variables (features) and target outputs (labels) in supervised learning.</a:t>
+              <a:t>Features and Labels: Input variables (features) and target outputs (labels) in supervised learning.</a:t>
             </a:r>
           </a:p>
           <a:p>
@@ -4270,7 +4240,7 @@
               </a:defRPr>
             </a:pPr>
             <a:r>
-              <a:t>Training &amp; Testing Sets: Data split for model training and performance evaluation.</a:t>
+              <a:t>Training and Testing Sets: Data split to train the model and evaluate its performance on unseen data.</a:t>
             </a:r>
           </a:p>
           <a:p>
@@ -4285,7 +4255,7 @@
               </a:defRPr>
             </a:pPr>
             <a:r>
-              <a:t>Overfitting: Model learns noise, performs poorly on new data.</a:t>
+              <a:t>Overfitting: Model learns training data too well, performs poorly on new data.</a:t>
             </a:r>
           </a:p>
           <a:p>
@@ -4300,7 +4270,7 @@
               </a:defRPr>
             </a:pPr>
             <a:r>
-              <a:t>Underfitting: Model is too simple, fails to capture data patterns.</a:t>
+              <a:t>Underfitting: Model is too simple, fails to capture important data patterns.</a:t>
             </a:r>
           </a:p>
         </p:txBody>
@@ -4354,7 +4324,7 @@
               </a:defRPr>
             </a:pPr>
             <a:r>
-              <a:t>Common ML Algorithms</a:t>
+              <a:t>Common Machine Learning Algorithms</a:t>
             </a:r>
           </a:p>
         </p:txBody>
@@ -4385,7 +4355,7 @@
               </a:defRPr>
             </a:pPr>
             <a:r>
-              <a:t>Linear Regression: Predicts continuous output using a linear function.</a:t>
+              <a:t>Linear Regression: Models linear relationship for continuous output prediction.</a:t>
             </a:r>
           </a:p>
           <a:p>
@@ -4400,7 +4370,7 @@
               </a:defRPr>
             </a:pPr>
             <a:r>
-              <a:t>Logistic Regression: Predicts class probability for classification tasks.</a:t>
+              <a:t>Logistic Regression: Used for classification, predicts probability of class membership.</a:t>
             </a:r>
           </a:p>
           <a:p>
@@ -4415,7 +4385,7 @@
               </a:defRPr>
             </a:pPr>
             <a:r>
-              <a:t>Decision Trees: Non-linear model splitting data based on feature values.</a:t>
+              <a:t>Decision Trees: Non-linear model splitting data into subsets for decisions.</a:t>
             </a:r>
           </a:p>
           <a:p>
@@ -4430,7 +4400,7 @@
               </a:defRPr>
             </a:pPr>
             <a:r>
-              <a:t>Random Forest: Ensemble of multiple decision trees for improved performance.</a:t>
+              <a:t>Random Forest: Ensemble method combining multiple decision trees for improved performance.</a:t>
             </a:r>
           </a:p>
           <a:p>
@@ -4445,7 +4415,7 @@
               </a:defRPr>
             </a:pPr>
             <a:r>
-              <a:t>Support Vector Machines (SVM): Finds optimal hyperplane for classification.</a:t>
+              <a:t>Support Vector Machines (SVM): Finds optimal hyperplane for classification, effective in high dimensions.</a:t>
             </a:r>
           </a:p>
           <a:p>
@@ -4460,7 +4430,7 @@
               </a:defRPr>
             </a:pPr>
             <a:r>
-              <a:t>Neural Networks: Brain-inspired models for complex patterns, used in deep learning.</a:t>
+              <a:t>Neural Networks: Inspired by the brain, learns complex patterns, used in deep learning.</a:t>
             </a:r>
           </a:p>
         </p:txBody>
@@ -4545,7 +4515,7 @@
               </a:defRPr>
             </a:pPr>
             <a:r>
-              <a:t>Healthcare: Disease diagnosis, drug discovery, personalized treatments.</a:t>
+              <a:t>Healthcare: Disease diagnosis, drug discovery, personalized treatment.</a:t>
             </a:r>
           </a:p>
           <a:p>
@@ -4575,7 +4545,7 @@
               </a:defRPr>
             </a:pPr>
             <a:r>
-              <a:t>Marketing: Customer segmentation, personalized recommendations.</a:t>
+              <a:t>Marketing: Customer segmentation, personalized recommendations, targeted advertising.</a:t>
             </a:r>
           </a:p>
           <a:p>
@@ -4590,7 +4560,7 @@
               </a:defRPr>
             </a:pPr>
             <a:r>
-              <a:t>Autonomous Vehicles: Sensor data processing, decision-making, navigation.</a:t>
+              <a:t>Autonomous Vehicles: Processing sensor data, decision-making, navigation.</a:t>
             </a:r>
           </a:p>
           <a:p>
@@ -4605,7 +4575,7 @@
               </a:defRPr>
             </a:pPr>
             <a:r>
-              <a:t>Natural Language Processing (NLP): Language translation, sentiment analysis.</a:t>
+              <a:t>Natural Language Processing (NLP): Language translation, sentiment analysis, text summarization.</a:t>
             </a:r>
           </a:p>
         </p:txBody>
@@ -4659,7 +4629,7 @@
               </a:defRPr>
             </a:pPr>
             <a:r>
-              <a:t>Model Evaluation Techniques</a:t>
+              <a:t>Model Evaluation</a:t>
             </a:r>
           </a:p>
         </p:txBody>
@@ -4690,7 +4660,7 @@
               </a:defRPr>
             </a:pPr>
             <a:r>
-              <a:t>Training &amp; Testing: Assess performance using separate datasets.</a:t>
+              <a:t>Training and Testing: Evaluate model using separate datasets with metrics like accuracy, MSE.</a:t>
             </a:r>
           </a:p>
           <a:p>
@@ -4705,7 +4675,7 @@
               </a:defRPr>
             </a:pPr>
             <a:r>
-              <a:t>Metrics: Accuracy, precision, recall (classification); MSE, R-squared (regression).</a:t>
+              <a:t>Cross-Validation: Technique to ensure model generalizes well by splitting data into multiple subsets.</a:t>
             </a:r>
           </a:p>
           <a:p>
@@ -4720,22 +4690,7 @@
               </a:defRPr>
             </a:pPr>
             <a:r>
-              <a:t>Cross-Validation: Ensures model generalizes well to unseen data.</a:t>
-            </a:r>
-          </a:p>
-          <a:p>
-            <a:pPr>
-              <a:spcAft>
-                <a:spcPts val="800"/>
-              </a:spcAft>
-              <a:defRPr sz="2000">
-                <a:solidFill>
-                  <a:srgbClr val="374151"/>
-                </a:solidFill>
-              </a:defRPr>
-            </a:pPr>
-            <a:r>
-              <a:t>Hyperparameter Tuning: Optimizing model settings for optimal performance.</a:t>
+              <a:t>Hyperparameter Tuning: Adjusting model settings (hyperparameters) for optimal performance using methods like grid search...</a:t>
             </a:r>
           </a:p>
         </p:txBody>
